--- a/UseDebugView.pptx
+++ b/UseDebugView.pptx
@@ -3327,10 +3327,10 @@
       </p:grpSpPr>
       <p:pic>
         <p:nvPicPr>
-          <p:cNvPr id="7" name="그림 6">
-            <a:extLst>
-              <a:ext uri="{FF2B5EF4-FFF2-40B4-BE49-F238E27FC236}">
-                <a16:creationId xmlns:a16="http://schemas.microsoft.com/office/drawing/2014/main" id="{E1E3BFF0-58DB-4FE8-A45B-8949B52EA968}"/>
+          <p:cNvPr id="9" name="그림 8">
+            <a:extLst>
+              <a:ext uri="{FF2B5EF4-FFF2-40B4-BE49-F238E27FC236}">
+                <a16:creationId xmlns:a16="http://schemas.microsoft.com/office/drawing/2014/main" id="{67877A37-7BA5-4FE1-B2F5-6A01F456F74C}"/>
               </a:ext>
             </a:extLst>
           </p:cNvPr>
@@ -3347,8 +3347,8 @@
         </p:blipFill>
         <p:spPr>
           <a:xfrm>
-            <a:off x="2390775" y="2209800"/>
-            <a:ext cx="7410450" cy="2438400"/>
+            <a:off x="2433637" y="2252662"/>
+            <a:ext cx="7324725" cy="2352675"/>
           </a:xfrm>
           <a:prstGeom prst="rect">
             <a:avLst/>
@@ -3387,10 +3387,10 @@
       </p:grpSpPr>
       <p:pic>
         <p:nvPicPr>
-          <p:cNvPr id="5" name="그림 4">
-            <a:extLst>
-              <a:ext uri="{FF2B5EF4-FFF2-40B4-BE49-F238E27FC236}">
-                <a16:creationId xmlns:a16="http://schemas.microsoft.com/office/drawing/2014/main" id="{81040C50-DCCF-4D6D-A274-2D0F4E575AC5}"/>
+          <p:cNvPr id="7" name="그림 6">
+            <a:extLst>
+              <a:ext uri="{FF2B5EF4-FFF2-40B4-BE49-F238E27FC236}">
+                <a16:creationId xmlns:a16="http://schemas.microsoft.com/office/drawing/2014/main" id="{2E1C4560-C92E-4A5F-828B-F48280F48F1D}"/>
               </a:ext>
             </a:extLst>
           </p:cNvPr>
@@ -3447,10 +3447,10 @@
       </p:grpSpPr>
       <p:pic>
         <p:nvPicPr>
-          <p:cNvPr id="5" name="그림 4">
-            <a:extLst>
-              <a:ext uri="{FF2B5EF4-FFF2-40B4-BE49-F238E27FC236}">
-                <a16:creationId xmlns:a16="http://schemas.microsoft.com/office/drawing/2014/main" id="{27F23D2E-A938-4D49-9FEB-82F29EE95D4C}"/>
+          <p:cNvPr id="7" name="그림 6">
+            <a:extLst>
+              <a:ext uri="{FF2B5EF4-FFF2-40B4-BE49-F238E27FC236}">
+                <a16:creationId xmlns:a16="http://schemas.microsoft.com/office/drawing/2014/main" id="{4210CAE9-7026-4F60-AB7A-D83A8875C02B}"/>
               </a:ext>
             </a:extLst>
           </p:cNvPr>

--- a/UseDebugView.pptx
+++ b/UseDebugView.pptx
@@ -9,7 +9,8 @@
     <p:sldId id="257" r:id="rId3"/>
     <p:sldId id="258" r:id="rId4"/>
     <p:sldId id="259" r:id="rId5"/>
-    <p:sldId id="260" r:id="rId6"/>
+    <p:sldId id="261" r:id="rId6"/>
+    <p:sldId id="260" r:id="rId7"/>
   </p:sldIdLst>
   <p:sldSz cx="12192000" cy="6858000"/>
   <p:notesSz cx="6858000" cy="9144000"/>
@@ -3565,12 +3566,147 @@
           <a:chExt cx="0" cy="0"/>
         </a:xfrm>
       </p:grpSpPr>
+      <p:grpSp>
+        <p:nvGrpSpPr>
+          <p:cNvPr id="7" name="그룹 6">
+            <a:extLst>
+              <a:ext uri="{FF2B5EF4-FFF2-40B4-BE49-F238E27FC236}">
+                <a16:creationId xmlns:a16="http://schemas.microsoft.com/office/drawing/2014/main" id="{961DBB1F-8D96-4FF1-958F-4E4933DF1D02}"/>
+              </a:ext>
+            </a:extLst>
+          </p:cNvPr>
+          <p:cNvGrpSpPr/>
+          <p:nvPr/>
+        </p:nvGrpSpPr>
+        <p:grpSpPr>
+          <a:xfrm>
+            <a:off x="1981200" y="1362075"/>
+            <a:ext cx="8096250" cy="3390900"/>
+            <a:chOff x="1981200" y="1362075"/>
+            <a:chExt cx="8096250" cy="3390900"/>
+          </a:xfrm>
+        </p:grpSpPr>
+        <p:pic>
+          <p:nvPicPr>
+            <p:cNvPr id="5" name="그림 4">
+              <a:extLst>
+                <a:ext uri="{FF2B5EF4-FFF2-40B4-BE49-F238E27FC236}">
+                  <a16:creationId xmlns:a16="http://schemas.microsoft.com/office/drawing/2014/main" id="{84F661DF-78A7-4F98-B4BC-D29C824D8CC8}"/>
+                </a:ext>
+              </a:extLst>
+            </p:cNvPr>
+            <p:cNvPicPr>
+              <a:picLocks noChangeAspect="1"/>
+            </p:cNvPicPr>
+            <p:nvPr/>
+          </p:nvPicPr>
+          <p:blipFill>
+            <a:blip r:embed="rId2"/>
+            <a:stretch>
+              <a:fillRect/>
+            </a:stretch>
+          </p:blipFill>
+          <p:spPr>
+            <a:xfrm>
+              <a:off x="1981200" y="1362075"/>
+              <a:ext cx="8096250" cy="3390900"/>
+            </a:xfrm>
+            <a:prstGeom prst="rect">
+              <a:avLst/>
+            </a:prstGeom>
+          </p:spPr>
+        </p:pic>
+        <p:sp>
+          <p:nvSpPr>
+            <p:cNvPr id="6" name="직사각형 5">
+              <a:extLst>
+                <a:ext uri="{FF2B5EF4-FFF2-40B4-BE49-F238E27FC236}">
+                  <a16:creationId xmlns:a16="http://schemas.microsoft.com/office/drawing/2014/main" id="{E3749BDA-F163-430D-9F7F-633981ADB847}"/>
+                </a:ext>
+              </a:extLst>
+            </p:cNvPr>
+            <p:cNvSpPr/>
+            <p:nvPr/>
+          </p:nvSpPr>
+          <p:spPr>
+            <a:xfrm>
+              <a:off x="4638675" y="1819275"/>
+              <a:ext cx="238125" cy="238125"/>
+            </a:xfrm>
+            <a:prstGeom prst="rect">
+              <a:avLst/>
+            </a:prstGeom>
+            <a:noFill/>
+            <a:ln w="38100">
+              <a:solidFill>
+                <a:srgbClr val="FF0000"/>
+              </a:solidFill>
+            </a:ln>
+          </p:spPr>
+          <p:style>
+            <a:lnRef idx="2">
+              <a:schemeClr val="accent2"/>
+            </a:lnRef>
+            <a:fillRef idx="1">
+              <a:schemeClr val="lt1"/>
+            </a:fillRef>
+            <a:effectRef idx="0">
+              <a:schemeClr val="accent2"/>
+            </a:effectRef>
+            <a:fontRef idx="minor">
+              <a:schemeClr val="dk1"/>
+            </a:fontRef>
+          </p:style>
+          <p:txBody>
+            <a:bodyPr rtlCol="0" anchor="ctr"/>
+            <a:lstStyle/>
+            <a:p>
+              <a:pPr algn="ctr"/>
+              <a:r>
+                <a:rPr lang="en-US" altLang="ko-KR" dirty="0"/>
+                <a:t>`</a:t>
+              </a:r>
+              <a:endParaRPr lang="ko-KR" altLang="en-US" dirty="0"/>
+            </a:p>
+          </p:txBody>
+        </p:sp>
+      </p:grpSp>
+    </p:spTree>
+    <p:extLst>
+      <p:ext uri="{BB962C8B-B14F-4D97-AF65-F5344CB8AC3E}">
+        <p14:creationId xmlns:p14="http://schemas.microsoft.com/office/powerpoint/2010/main" val="799927090"/>
+      </p:ext>
+    </p:extLst>
+  </p:cSld>
+  <p:clrMapOvr>
+    <a:masterClrMapping/>
+  </p:clrMapOvr>
+</p:sld>
+</file>
+
+<file path=ppt/slides/slide6.xml><?xml version="1.0" encoding="utf-8"?>
+<p:sld xmlns:a="http://schemas.openxmlformats.org/drawingml/2006/main" xmlns:r="http://schemas.openxmlformats.org/officeDocument/2006/relationships" xmlns:p="http://schemas.openxmlformats.org/presentationml/2006/main">
+  <p:cSld>
+    <p:spTree>
+      <p:nvGrpSpPr>
+        <p:cNvPr id="1" name=""/>
+        <p:cNvGrpSpPr/>
+        <p:nvPr/>
+      </p:nvGrpSpPr>
+      <p:grpSpPr>
+        <a:xfrm>
+          <a:off x="0" y="0"/>
+          <a:ext cx="0" cy="0"/>
+          <a:chOff x="0" y="0"/>
+          <a:chExt cx="0" cy="0"/>
+        </a:xfrm>
+      </p:grpSpPr>
       <p:pic>
         <p:nvPicPr>
-          <p:cNvPr id="5" name="그림 4">
-            <a:extLst>
-              <a:ext uri="{FF2B5EF4-FFF2-40B4-BE49-F238E27FC236}">
-                <a16:creationId xmlns:a16="http://schemas.microsoft.com/office/drawing/2014/main" id="{05F559CC-C551-4DB2-AD48-DDF8C5F3B953}"/>
+          <p:cNvPr id="7" name="그림 6">
+            <a:extLst>
+              <a:ext uri="{FF2B5EF4-FFF2-40B4-BE49-F238E27FC236}">
+                <a16:creationId xmlns:a16="http://schemas.microsoft.com/office/drawing/2014/main" id="{B05F8A6E-3879-4CAD-B3C9-00017957DC69}"/>
               </a:ext>
             </a:extLst>
           </p:cNvPr>
